--- a/課題１＿フロー.pptx
+++ b/課題１＿フロー.pptx
@@ -104,6 +104,11 @@
       </a:defRPr>
     </a:lvl9pPr>
   </p:defaultTextStyle>
+  <p:extLst>
+    <p:ext uri="{EFAFB233-063F-42B5-8137-9DF3F51BA10A}">
+      <p15:sldGuideLst xmlns:p15="http://schemas.microsoft.com/office/powerpoint/2012/main"/>
+    </p:ext>
+  </p:extLst>
 </p:presentation>
 </file>
 
@@ -238,7 +243,7 @@
           <a:p>
             <a:fld id="{62DA2BB8-58C7-48B3-9A6C-7EB2EEBD1E6E}" type="datetimeFigureOut">
               <a:rPr kumimoji="1" lang="ja-JP" altLang="en-US" smtClean="0"/>
-              <a:t>2025/6/19</a:t>
+              <a:t>2025/6/20</a:t>
             </a:fld>
             <a:endParaRPr kumimoji="1" lang="ja-JP" altLang="en-US"/>
           </a:p>
@@ -440,7 +445,7 @@
           <a:p>
             <a:fld id="{62DA2BB8-58C7-48B3-9A6C-7EB2EEBD1E6E}" type="datetimeFigureOut">
               <a:rPr kumimoji="1" lang="ja-JP" altLang="en-US" smtClean="0"/>
-              <a:t>2025/6/19</a:t>
+              <a:t>2025/6/20</a:t>
             </a:fld>
             <a:endParaRPr kumimoji="1" lang="ja-JP" altLang="en-US"/>
           </a:p>
@@ -652,7 +657,7 @@
           <a:p>
             <a:fld id="{62DA2BB8-58C7-48B3-9A6C-7EB2EEBD1E6E}" type="datetimeFigureOut">
               <a:rPr kumimoji="1" lang="ja-JP" altLang="en-US" smtClean="0"/>
-              <a:t>2025/6/19</a:t>
+              <a:t>2025/6/20</a:t>
             </a:fld>
             <a:endParaRPr kumimoji="1" lang="ja-JP" altLang="en-US"/>
           </a:p>
@@ -854,7 +859,7 @@
           <a:p>
             <a:fld id="{62DA2BB8-58C7-48B3-9A6C-7EB2EEBD1E6E}" type="datetimeFigureOut">
               <a:rPr kumimoji="1" lang="ja-JP" altLang="en-US" smtClean="0"/>
-              <a:t>2025/6/19</a:t>
+              <a:t>2025/6/20</a:t>
             </a:fld>
             <a:endParaRPr kumimoji="1" lang="ja-JP" altLang="en-US"/>
           </a:p>
@@ -1100,7 +1105,7 @@
           <a:p>
             <a:fld id="{62DA2BB8-58C7-48B3-9A6C-7EB2EEBD1E6E}" type="datetimeFigureOut">
               <a:rPr kumimoji="1" lang="ja-JP" altLang="en-US" smtClean="0"/>
-              <a:t>2025/6/19</a:t>
+              <a:t>2025/6/20</a:t>
             </a:fld>
             <a:endParaRPr kumimoji="1" lang="ja-JP" altLang="en-US"/>
           </a:p>
@@ -1396,7 +1401,7 @@
           <a:p>
             <a:fld id="{62DA2BB8-58C7-48B3-9A6C-7EB2EEBD1E6E}" type="datetimeFigureOut">
               <a:rPr kumimoji="1" lang="ja-JP" altLang="en-US" smtClean="0"/>
-              <a:t>2025/6/19</a:t>
+              <a:t>2025/6/20</a:t>
             </a:fld>
             <a:endParaRPr kumimoji="1" lang="ja-JP" altLang="en-US"/>
           </a:p>
@@ -1827,7 +1832,7 @@
           <a:p>
             <a:fld id="{62DA2BB8-58C7-48B3-9A6C-7EB2EEBD1E6E}" type="datetimeFigureOut">
               <a:rPr kumimoji="1" lang="ja-JP" altLang="en-US" smtClean="0"/>
-              <a:t>2025/6/19</a:t>
+              <a:t>2025/6/20</a:t>
             </a:fld>
             <a:endParaRPr kumimoji="1" lang="ja-JP" altLang="en-US"/>
           </a:p>
@@ -1945,7 +1950,7 @@
           <a:p>
             <a:fld id="{62DA2BB8-58C7-48B3-9A6C-7EB2EEBD1E6E}" type="datetimeFigureOut">
               <a:rPr kumimoji="1" lang="ja-JP" altLang="en-US" smtClean="0"/>
-              <a:t>2025/6/19</a:t>
+              <a:t>2025/6/20</a:t>
             </a:fld>
             <a:endParaRPr kumimoji="1" lang="ja-JP" altLang="en-US"/>
           </a:p>
@@ -2040,7 +2045,7 @@
           <a:p>
             <a:fld id="{62DA2BB8-58C7-48B3-9A6C-7EB2EEBD1E6E}" type="datetimeFigureOut">
               <a:rPr kumimoji="1" lang="ja-JP" altLang="en-US" smtClean="0"/>
-              <a:t>2025/6/19</a:t>
+              <a:t>2025/6/20</a:t>
             </a:fld>
             <a:endParaRPr kumimoji="1" lang="ja-JP" altLang="en-US"/>
           </a:p>
@@ -2349,7 +2354,7 @@
           <a:p>
             <a:fld id="{62DA2BB8-58C7-48B3-9A6C-7EB2EEBD1E6E}" type="datetimeFigureOut">
               <a:rPr kumimoji="1" lang="ja-JP" altLang="en-US" smtClean="0"/>
-              <a:t>2025/6/19</a:t>
+              <a:t>2025/6/20</a:t>
             </a:fld>
             <a:endParaRPr kumimoji="1" lang="ja-JP" altLang="en-US"/>
           </a:p>
@@ -2606,7 +2611,7 @@
           <a:p>
             <a:fld id="{62DA2BB8-58C7-48B3-9A6C-7EB2EEBD1E6E}" type="datetimeFigureOut">
               <a:rPr kumimoji="1" lang="ja-JP" altLang="en-US" smtClean="0"/>
-              <a:t>2025/6/19</a:t>
+              <a:t>2025/6/20</a:t>
             </a:fld>
             <a:endParaRPr kumimoji="1" lang="ja-JP" altLang="en-US"/>
           </a:p>
@@ -2851,7 +2856,7 @@
           <a:p>
             <a:fld id="{62DA2BB8-58C7-48B3-9A6C-7EB2EEBD1E6E}" type="datetimeFigureOut">
               <a:rPr kumimoji="1" lang="ja-JP" altLang="en-US" smtClean="0"/>
-              <a:t>2025/6/19</a:t>
+              <a:t>2025/6/20</a:t>
             </a:fld>
             <a:endParaRPr kumimoji="1" lang="ja-JP" altLang="en-US"/>
           </a:p>
@@ -3644,13 +3649,14 @@
           </p:cNvPr>
           <p:cNvCxnSpPr>
             <a:cxnSpLocks/>
+            <a:endCxn id="26" idx="0"/>
           </p:cNvCxnSpPr>
           <p:nvPr/>
         </p:nvCxnSpPr>
         <p:spPr>
           <a:xfrm>
             <a:off x="2248278" y="5114661"/>
-            <a:ext cx="0" cy="1099436"/>
+            <a:ext cx="0" cy="1577956"/>
           </a:xfrm>
           <a:prstGeom prst="straightConnector1">
             <a:avLst/>
@@ -3688,14 +3694,15 @@
           </p:cNvPr>
           <p:cNvCxnSpPr>
             <a:cxnSpLocks/>
+            <a:stCxn id="12" idx="3"/>
             <a:endCxn id="21" idx="1"/>
           </p:cNvCxnSpPr>
           <p:nvPr/>
         </p:nvCxnSpPr>
         <p:spPr>
-          <a:xfrm>
-            <a:off x="3352800" y="4706395"/>
-            <a:ext cx="646331" cy="1"/>
+          <a:xfrm flipV="1">
+            <a:off x="3352800" y="4698418"/>
+            <a:ext cx="615602" cy="7978"/>
           </a:xfrm>
           <a:prstGeom prst="straightConnector1">
             <a:avLst/>
@@ -3771,7 +3778,7 @@
         </p:nvSpPr>
         <p:spPr>
           <a:xfrm>
-            <a:off x="2361958" y="5247832"/>
+            <a:off x="2271679" y="5618165"/>
             <a:ext cx="877163" cy="369332"/>
           </a:xfrm>
           <a:prstGeom prst="rect">
@@ -3807,8 +3814,8 @@
         </p:nvSpPr>
         <p:spPr>
           <a:xfrm>
-            <a:off x="3999131" y="4156400"/>
-            <a:ext cx="1701042" cy="1099992"/>
+            <a:off x="3968402" y="4452395"/>
+            <a:ext cx="1701042" cy="492046"/>
           </a:xfrm>
           <a:prstGeom prst="rect">
             <a:avLst/>
@@ -3847,7 +3854,7 @@
                   <a:schemeClr val="tx1"/>
                 </a:solidFill>
               </a:rPr>
-              <a:t>残業申請書を自動で作成・上長に自動でメール通知</a:t>
+              <a:t>残業申請書を自動で作成</a:t>
             </a:r>
           </a:p>
         </p:txBody>
@@ -3863,13 +3870,15 @@
           </p:cNvPr>
           <p:cNvCxnSpPr>
             <a:cxnSpLocks/>
+            <a:stCxn id="21" idx="2"/>
+            <a:endCxn id="48" idx="0"/>
           </p:cNvCxnSpPr>
           <p:nvPr/>
         </p:nvCxnSpPr>
         <p:spPr>
-          <a:xfrm flipH="1">
-            <a:off x="4849652" y="5256392"/>
-            <a:ext cx="7998" cy="395108"/>
+          <a:xfrm>
+            <a:off x="4818923" y="4944441"/>
+            <a:ext cx="19082" cy="354047"/>
           </a:xfrm>
           <a:prstGeom prst="straightConnector1">
             <a:avLst/>
@@ -3910,7 +3919,7 @@
         </p:nvSpPr>
         <p:spPr>
           <a:xfrm>
-            <a:off x="3999131" y="5651500"/>
+            <a:off x="3987484" y="6223001"/>
             <a:ext cx="1701042" cy="635000"/>
           </a:xfrm>
           <a:prstGeom prst="rect">
@@ -3969,7 +3978,7 @@
         </p:nvSpPr>
         <p:spPr>
           <a:xfrm>
-            <a:off x="1397758" y="6214097"/>
+            <a:off x="1397757" y="6692617"/>
             <a:ext cx="1701042" cy="833651"/>
           </a:xfrm>
           <a:prstGeom prst="rect">
@@ -4032,8 +4041,8 @@
         </p:nvCxnSpPr>
         <p:spPr>
           <a:xfrm rot="5400000">
-            <a:off x="3802015" y="5583285"/>
-            <a:ext cx="344423" cy="1750852"/>
+            <a:off x="3842681" y="6114119"/>
+            <a:ext cx="251442" cy="1739206"/>
           </a:xfrm>
           <a:prstGeom prst="bentConnector2">
             <a:avLst/>
@@ -4071,13 +4080,14 @@
           </p:cNvPr>
           <p:cNvCxnSpPr>
             <a:cxnSpLocks/>
+            <a:stCxn id="26" idx="2"/>
           </p:cNvCxnSpPr>
           <p:nvPr/>
         </p:nvCxnSpPr>
         <p:spPr>
           <a:xfrm>
-            <a:off x="2248278" y="7047748"/>
-            <a:ext cx="0" cy="800852"/>
+            <a:off x="2248278" y="7526268"/>
+            <a:ext cx="0" cy="322332"/>
           </a:xfrm>
           <a:prstGeom prst="straightConnector1">
             <a:avLst/>
@@ -4378,6 +4388,111 @@
           </a:fontRef>
         </p:style>
       </p:cxnSp>
+      <p:cxnSp>
+        <p:nvCxnSpPr>
+          <p:cNvPr id="22" name="直線矢印コネクタ 21">
+            <a:extLst>
+              <a:ext uri="{FF2B5EF4-FFF2-40B4-BE49-F238E27FC236}">
+                <a16:creationId xmlns:a16="http://schemas.microsoft.com/office/drawing/2014/main" id="{537677DB-98D0-AAAA-D44D-27E1DFFB52EB}"/>
+              </a:ext>
+            </a:extLst>
+          </p:cNvPr>
+          <p:cNvCxnSpPr>
+            <a:cxnSpLocks/>
+            <a:stCxn id="48" idx="2"/>
+            <a:endCxn id="25" idx="0"/>
+          </p:cNvCxnSpPr>
+          <p:nvPr/>
+        </p:nvCxnSpPr>
+        <p:spPr>
+          <a:xfrm>
+            <a:off x="4838005" y="5790534"/>
+            <a:ext cx="0" cy="432467"/>
+          </a:xfrm>
+          <a:prstGeom prst="straightConnector1">
+            <a:avLst/>
+          </a:prstGeom>
+          <a:ln>
+            <a:solidFill>
+              <a:schemeClr val="tx1"/>
+            </a:solidFill>
+            <a:tailEnd type="triangle"/>
+          </a:ln>
+        </p:spPr>
+        <p:style>
+          <a:lnRef idx="2">
+            <a:schemeClr val="accent1"/>
+          </a:lnRef>
+          <a:fillRef idx="0">
+            <a:schemeClr val="accent1"/>
+          </a:fillRef>
+          <a:effectRef idx="1">
+            <a:schemeClr val="accent1"/>
+          </a:effectRef>
+          <a:fontRef idx="minor">
+            <a:schemeClr val="tx1"/>
+          </a:fontRef>
+        </p:style>
+      </p:cxnSp>
+      <p:sp>
+        <p:nvSpPr>
+          <p:cNvPr id="48" name="正方形/長方形 47">
+            <a:extLst>
+              <a:ext uri="{FF2B5EF4-FFF2-40B4-BE49-F238E27FC236}">
+                <a16:creationId xmlns:a16="http://schemas.microsoft.com/office/drawing/2014/main" id="{E1382F6C-4FBD-5600-1BE1-56B0E84766E7}"/>
+              </a:ext>
+            </a:extLst>
+          </p:cNvPr>
+          <p:cNvSpPr/>
+          <p:nvPr/>
+        </p:nvSpPr>
+        <p:spPr>
+          <a:xfrm>
+            <a:off x="3987484" y="5298488"/>
+            <a:ext cx="1701042" cy="492046"/>
+          </a:xfrm>
+          <a:prstGeom prst="rect">
+            <a:avLst/>
+          </a:prstGeom>
+          <a:noFill/>
+          <a:ln w="22225">
+            <a:solidFill>
+              <a:schemeClr val="tx1"/>
+            </a:solidFill>
+          </a:ln>
+        </p:spPr>
+        <p:style>
+          <a:lnRef idx="2">
+            <a:schemeClr val="accent1">
+              <a:shade val="15000"/>
+            </a:schemeClr>
+          </a:lnRef>
+          <a:fillRef idx="1">
+            <a:schemeClr val="accent1"/>
+          </a:fillRef>
+          <a:effectRef idx="0">
+            <a:schemeClr val="accent1"/>
+          </a:effectRef>
+          <a:fontRef idx="minor">
+            <a:schemeClr val="lt1"/>
+          </a:fontRef>
+        </p:style>
+        <p:txBody>
+          <a:bodyPr rtlCol="0" anchor="ctr"/>
+          <a:lstStyle/>
+          <a:p>
+            <a:pPr algn="ctr"/>
+            <a:r>
+              <a:rPr kumimoji="1" lang="ja-JP" altLang="en-US" sz="1600" dirty="0">
+                <a:solidFill>
+                  <a:schemeClr val="tx1"/>
+                </a:solidFill>
+              </a:rPr>
+              <a:t>上長に自動でメール送信</a:t>
+            </a:r>
+          </a:p>
+        </p:txBody>
+      </p:sp>
     </p:spTree>
     <p:extLst>
       <p:ext uri="{BB962C8B-B14F-4D97-AF65-F5344CB8AC3E}">
